--- a/your-project/Presentation.pptx
+++ b/your-project/Presentation.pptx
@@ -107,6 +107,11 @@
       </a:defRPr>
     </a:lvl9pPr>
   </p:defaultTextStyle>
+  <p:extLst>
+    <p:ext uri="{EFAFB233-063F-42B5-8137-9DF3F51BA10A}">
+      <p15:sldGuideLst xmlns:p15="http://schemas.microsoft.com/office/powerpoint/2012/main"/>
+    </p:ext>
+  </p:extLst>
 </p:presentation>
 </file>
 
@@ -4145,7 +4150,7 @@
           <a:p>
             <a:r>
               <a:rPr lang="en-US" dirty="0"/>
-              <a:t>Rounds and after every round 2 extra armies</a:t>
+              <a:t>After every round 2 extra armies</a:t>
             </a:r>
           </a:p>
           <a:p>
@@ -4165,7 +4170,7 @@
           <a:p>
             <a:r>
               <a:rPr lang="en-US" dirty="0"/>
-              <a:t>If tie</a:t>
+              <a:t>If tie defensive party wins</a:t>
             </a:r>
           </a:p>
           <a:p>
@@ -4255,7 +4260,30 @@
           <a:bodyPr/>
           <a:lstStyle/>
           <a:p>
-            <a:endParaRPr lang="en-US" dirty="0"/>
+            <a:r>
+              <a:rPr lang="en-US" dirty="0"/>
+              <a:t>Day 1: Create .</a:t>
+            </a:r>
+            <a:r>
+              <a:rPr lang="en-US" dirty="0" err="1"/>
+              <a:t>gitignore</a:t>
+            </a:r>
+            <a:r>
+              <a:rPr lang="en-US" dirty="0"/>
+              <a:t>/Research/ Design game structure</a:t>
+            </a:r>
+          </a:p>
+          <a:p>
+            <a:r>
+              <a:rPr lang="en-US" dirty="0"/>
+              <a:t>Day 2: Roll the dice function</a:t>
+            </a:r>
+          </a:p>
+          <a:p>
+            <a:r>
+              <a:rPr lang="en-US" dirty="0"/>
+              <a:t>Day 3: Roll the dice function/Test game/Error handling</a:t>
+            </a:r>
           </a:p>
         </p:txBody>
       </p:sp>
@@ -4338,7 +4366,33 @@
           <a:bodyPr/>
           <a:lstStyle/>
           <a:p>
-            <a:endParaRPr lang="en-US"/>
+            <a:r>
+              <a:rPr lang="en-US" dirty="0"/>
+              <a:t>Structure of for loop</a:t>
+            </a:r>
+          </a:p>
+          <a:p>
+            <a:r>
+              <a:rPr lang="en-US" dirty="0"/>
+              <a:t>Calling </a:t>
+            </a:r>
+            <a:r>
+              <a:rPr lang="en-US"/>
+              <a:t>a function</a:t>
+            </a:r>
+            <a:endParaRPr lang="en-US" dirty="0"/>
+          </a:p>
+          <a:p>
+            <a:r>
+              <a:rPr lang="en-US" dirty="0"/>
+              <a:t>Update files on GitHub</a:t>
+            </a:r>
+          </a:p>
+          <a:p>
+            <a:endParaRPr lang="en-US" dirty="0"/>
+          </a:p>
+          <a:p>
+            <a:endParaRPr lang="en-US" dirty="0"/>
           </a:p>
         </p:txBody>
       </p:sp>
